--- a/20-Presentation Team KLM.pptx
+++ b/20-Presentation Team KLM.pptx
@@ -130,7 +130,7 @@
   <p1510:revLst>
     <p1510:client id="{15DAF0DD-339E-CAA2-29F0-3857B7417EA4}" v="902" dt="2023-05-03T16:37:50.326"/>
     <p1510:client id="{1B869374-8F9B-C140-9E3D-89DAE458F2FB}" v="49" dt="2023-05-03T19:05:03.485"/>
-    <p1510:client id="{AA47083A-AC2C-E8D2-49C4-92AAF0BF3381}" v="228" dt="2023-05-04T08:09:38.145"/>
+    <p1510:client id="{AA47083A-AC2C-E8D2-49C4-92AAF0BF3381}" v="230" dt="2023-05-04T10:59:51.944"/>
     <p1510:client id="{AFA31145-B9DE-6FF5-D32A-6C8ED3479309}" v="6" dt="2023-05-03T18:37:47.700"/>
     <p1510:client id="{D2CAD527-3605-4108-B042-E724AA8174BD}" v="122" dt="2023-05-03T14:12:22.646"/>
     <p1510:client id="{DD95AFC2-0845-BA4C-4EB1-552EB7BB4E37}" v="517" dt="2023-05-03T18:34:46.813"/>
@@ -912,8 +912,18 @@
             </a:lnSpc>
           </a:pPr>
           <a:r>
-            <a:rPr lang="en-US"/>
-            <a:t>The proposed model achieved great results on the English and Spanish datasets for semantic textual similarity, with PCC scores of 0.779 and 0.771, respectively.</a:t>
+            <a:rPr lang="en-US" dirty="0"/>
+            <a:t>The proposed model achieved great results on the English and Spanish datasets for semantic textual similarity, with PCC scores of </a:t>
+          </a:r>
+          <a:r>
+            <a:rPr lang="en-US" dirty="0">
+              <a:latin typeface="Grandview"/>
+            </a:rPr>
+            <a:t>0.806</a:t>
+          </a:r>
+          <a:r>
+            <a:rPr lang="en-US" dirty="0"/>
+            <a:t> and 0.771, respectively.</a:t>
           </a:r>
         </a:p>
       </dgm:t>
@@ -953,8 +963,18 @@
             </a:lnSpc>
           </a:pPr>
           <a:r>
-            <a:rPr lang="en-US"/>
-            <a:t>The proposed model outperformed base models using pre-trained BERT and Bag of Words approaches, with cosine similarity scores of 0.343 and 0.286, respectively.</a:t>
+            <a:rPr lang="en-US" dirty="0"/>
+            <a:t>The proposed model outperformed base models using pre-trained BERT and Bag of Words approaches, with cosine similarity scores of 0.343 and </a:t>
+          </a:r>
+          <a:r>
+            <a:rPr lang="en-US" dirty="0">
+              <a:latin typeface="Grandview"/>
+            </a:rPr>
+            <a:t>0.627,</a:t>
+          </a:r>
+          <a:r>
+            <a:rPr lang="en-US" dirty="0"/>
+            <a:t> respectively.</a:t>
           </a:r>
         </a:p>
       </dgm:t>
@@ -994,8 +1014,18 @@
             </a:lnSpc>
           </a:pPr>
           <a:r>
-            <a:rPr lang="en-US"/>
-            <a:t>The proposed model also outperformed another model that used only fully connected neural network on pre-trained sentence embeddings, achieving a PCC score of 0.126, which is significantly lower.</a:t>
+            <a:rPr lang="en-US" dirty="0"/>
+            <a:t>The proposed model also outperformed another model that used only fully connected neural network on pre-trained sentence embeddings, achieving a PCC score of </a:t>
+          </a:r>
+          <a:r>
+            <a:rPr lang="en-US" dirty="0">
+              <a:latin typeface="Grandview"/>
+            </a:rPr>
+            <a:t>0.168</a:t>
+          </a:r>
+          <a:r>
+            <a:rPr lang="en-US" dirty="0"/>
+            <a:t>, which is significantly lower.</a:t>
           </a:r>
         </a:p>
       </dgm:t>
@@ -1035,7 +1065,7 @@
             </a:lnSpc>
           </a:pPr>
           <a:r>
-            <a:rPr lang="en-US"/>
+            <a:rPr lang="en-US" dirty="0"/>
             <a:t>These results strongly suggest that the proposed model effectively captures the semantic similarity between sentences and outperforms other approaches in this task.</a:t>
           </a:r>
         </a:p>
@@ -1470,8 +1500,18 @@
             <a:buNone/>
           </a:pPr>
           <a:r>
-            <a:rPr lang="en-US" sz="1500" kern="1200"/>
-            <a:t>The proposed model achieved great results on the English and Spanish datasets for semantic textual similarity, with PCC scores of 0.779 and 0.771, respectively.</a:t>
+            <a:rPr lang="en-US" sz="1500" kern="1200" dirty="0"/>
+            <a:t>The proposed model achieved great results on the English and Spanish datasets for semantic textual similarity, with PCC scores of </a:t>
+          </a:r>
+          <a:r>
+            <a:rPr lang="en-US" sz="1500" kern="1200" dirty="0">
+              <a:latin typeface="Grandview"/>
+            </a:rPr>
+            <a:t>0.806</a:t>
+          </a:r>
+          <a:r>
+            <a:rPr lang="en-US" sz="1500" kern="1200" dirty="0"/>
+            <a:t> and 0.771, respectively.</a:t>
           </a:r>
         </a:p>
       </dsp:txBody>
@@ -1629,8 +1669,18 @@
             <a:buNone/>
           </a:pPr>
           <a:r>
-            <a:rPr lang="en-US" sz="1500" kern="1200"/>
-            <a:t>The proposed model outperformed base models using pre-trained BERT and Bag of Words approaches, with cosine similarity scores of 0.343 and 0.286, respectively.</a:t>
+            <a:rPr lang="en-US" sz="1500" kern="1200" dirty="0"/>
+            <a:t>The proposed model outperformed base models using pre-trained BERT and Bag of Words approaches, with cosine similarity scores of 0.343 and </a:t>
+          </a:r>
+          <a:r>
+            <a:rPr lang="en-US" sz="1500" kern="1200" dirty="0">
+              <a:latin typeface="Grandview"/>
+            </a:rPr>
+            <a:t>0.627,</a:t>
+          </a:r>
+          <a:r>
+            <a:rPr lang="en-US" sz="1500" kern="1200" dirty="0"/>
+            <a:t> respectively.</a:t>
           </a:r>
         </a:p>
       </dsp:txBody>
@@ -1788,8 +1838,18 @@
             <a:buNone/>
           </a:pPr>
           <a:r>
-            <a:rPr lang="en-US" sz="1500" kern="1200"/>
-            <a:t>The proposed model also outperformed another model that used only fully connected neural network on pre-trained sentence embeddings, achieving a PCC score of 0.126, which is significantly lower.</a:t>
+            <a:rPr lang="en-US" sz="1500" kern="1200" dirty="0"/>
+            <a:t>The proposed model also outperformed another model that used only fully connected neural network on pre-trained sentence embeddings, achieving a PCC score of </a:t>
+          </a:r>
+          <a:r>
+            <a:rPr lang="en-US" sz="1500" kern="1200" dirty="0">
+              <a:latin typeface="Grandview"/>
+            </a:rPr>
+            <a:t>0.168</a:t>
+          </a:r>
+          <a:r>
+            <a:rPr lang="en-US" sz="1500" kern="1200" dirty="0"/>
+            <a:t>, which is significantly lower.</a:t>
           </a:r>
         </a:p>
       </dsp:txBody>
@@ -1947,7 +2007,7 @@
             <a:buNone/>
           </a:pPr>
           <a:r>
-            <a:rPr lang="en-US" sz="1500" kern="1200"/>
+            <a:rPr lang="en-US" sz="1500" kern="1200" dirty="0"/>
             <a:t>These results strongly suggest that the proposed model effectively captures the semantic similarity between sentences and outperforms other approaches in this task.</a:t>
           </a:r>
         </a:p>

--- a/20-Presentation Team KLM.pptx
+++ b/20-Presentation Team KLM.pptx
@@ -130,6 +130,9 @@
   <p1510:revLst>
     <p1510:client id="{15DAF0DD-339E-CAA2-29F0-3857B7417EA4}" v="902" dt="2023-05-03T16:37:50.326"/>
     <p1510:client id="{1B869374-8F9B-C140-9E3D-89DAE458F2FB}" v="49" dt="2023-05-03T19:05:03.485"/>
+    <p1510:client id="{3441D5DF-CC57-0FEB-DE18-E23BDE4E1D9D}" v="24" dt="2023-05-04T11:46:30.134"/>
+    <p1510:client id="{83D462FA-E987-D228-FAAE-B4DCA4C3B2E1}" v="29" dt="2023-05-04T14:40:10.051"/>
+    <p1510:client id="{A19C5636-1E2C-A746-696F-7D70133EFA8D}" v="244" dt="2023-05-04T12:07:01.809"/>
     <p1510:client id="{AA47083A-AC2C-E8D2-49C4-92AAF0BF3381}" v="230" dt="2023-05-04T10:59:51.944"/>
     <p1510:client id="{AFA31145-B9DE-6FF5-D32A-6C8ED3479309}" v="6" dt="2023-05-03T18:37:47.700"/>
     <p1510:client id="{D2CAD527-3605-4108-B042-E724AA8174BD}" v="122" dt="2023-05-03T14:12:22.646"/>
@@ -912,17 +915,17 @@
             </a:lnSpc>
           </a:pPr>
           <a:r>
-            <a:rPr lang="en-US" dirty="0"/>
+            <a:rPr lang="en-US"/>
             <a:t>The proposed model achieved great results on the English and Spanish datasets for semantic textual similarity, with PCC scores of </a:t>
           </a:r>
           <a:r>
-            <a:rPr lang="en-US" dirty="0">
+            <a:rPr lang="en-US">
               <a:latin typeface="Grandview"/>
             </a:rPr>
             <a:t>0.806</a:t>
           </a:r>
           <a:r>
-            <a:rPr lang="en-US" dirty="0"/>
+            <a:rPr lang="en-US"/>
             <a:t> and 0.771, respectively.</a:t>
           </a:r>
         </a:p>
@@ -963,17 +966,17 @@
             </a:lnSpc>
           </a:pPr>
           <a:r>
-            <a:rPr lang="en-US" dirty="0"/>
+            <a:rPr lang="en-US"/>
             <a:t>The proposed model outperformed base models using pre-trained BERT and Bag of Words approaches, with cosine similarity scores of 0.343 and </a:t>
           </a:r>
           <a:r>
-            <a:rPr lang="en-US" dirty="0">
+            <a:rPr lang="en-US">
               <a:latin typeface="Grandview"/>
             </a:rPr>
             <a:t>0.627,</a:t>
           </a:r>
           <a:r>
-            <a:rPr lang="en-US" dirty="0"/>
+            <a:rPr lang="en-US"/>
             <a:t> respectively.</a:t>
           </a:r>
         </a:p>
@@ -1014,17 +1017,17 @@
             </a:lnSpc>
           </a:pPr>
           <a:r>
-            <a:rPr lang="en-US" dirty="0"/>
+            <a:rPr lang="en-US"/>
             <a:t>The proposed model also outperformed another model that used only fully connected neural network on pre-trained sentence embeddings, achieving a PCC score of </a:t>
           </a:r>
           <a:r>
-            <a:rPr lang="en-US" dirty="0">
+            <a:rPr lang="en-US">
               <a:latin typeface="Grandview"/>
             </a:rPr>
             <a:t>0.168</a:t>
           </a:r>
           <a:r>
-            <a:rPr lang="en-US" dirty="0"/>
+            <a:rPr lang="en-US"/>
             <a:t>, which is significantly lower.</a:t>
           </a:r>
         </a:p>
@@ -1065,7 +1068,7 @@
             </a:lnSpc>
           </a:pPr>
           <a:r>
-            <a:rPr lang="en-US" dirty="0"/>
+            <a:rPr lang="en-US"/>
             <a:t>These results strongly suggest that the proposed model effectively captures the semantic similarity between sentences and outperforms other approaches in this task.</a:t>
           </a:r>
         </a:p>
@@ -1500,17 +1503,17 @@
             <a:buNone/>
           </a:pPr>
           <a:r>
-            <a:rPr lang="en-US" sz="1500" kern="1200" dirty="0"/>
+            <a:rPr lang="en-US" sz="1500" kern="1200"/>
             <a:t>The proposed model achieved great results on the English and Spanish datasets for semantic textual similarity, with PCC scores of </a:t>
           </a:r>
           <a:r>
-            <a:rPr lang="en-US" sz="1500" kern="1200" dirty="0">
+            <a:rPr lang="en-US" sz="1500" kern="1200">
               <a:latin typeface="Grandview"/>
             </a:rPr>
             <a:t>0.806</a:t>
           </a:r>
           <a:r>
-            <a:rPr lang="en-US" sz="1500" kern="1200" dirty="0"/>
+            <a:rPr lang="en-US" sz="1500" kern="1200"/>
             <a:t> and 0.771, respectively.</a:t>
           </a:r>
         </a:p>
@@ -1669,17 +1672,17 @@
             <a:buNone/>
           </a:pPr>
           <a:r>
-            <a:rPr lang="en-US" sz="1500" kern="1200" dirty="0"/>
+            <a:rPr lang="en-US" sz="1500" kern="1200"/>
             <a:t>The proposed model outperformed base models using pre-trained BERT and Bag of Words approaches, with cosine similarity scores of 0.343 and </a:t>
           </a:r>
           <a:r>
-            <a:rPr lang="en-US" sz="1500" kern="1200" dirty="0">
+            <a:rPr lang="en-US" sz="1500" kern="1200">
               <a:latin typeface="Grandview"/>
             </a:rPr>
             <a:t>0.627,</a:t>
           </a:r>
           <a:r>
-            <a:rPr lang="en-US" sz="1500" kern="1200" dirty="0"/>
+            <a:rPr lang="en-US" sz="1500" kern="1200"/>
             <a:t> respectively.</a:t>
           </a:r>
         </a:p>
@@ -1838,17 +1841,17 @@
             <a:buNone/>
           </a:pPr>
           <a:r>
-            <a:rPr lang="en-US" sz="1500" kern="1200" dirty="0"/>
+            <a:rPr lang="en-US" sz="1500" kern="1200"/>
             <a:t>The proposed model also outperformed another model that used only fully connected neural network on pre-trained sentence embeddings, achieving a PCC score of </a:t>
           </a:r>
           <a:r>
-            <a:rPr lang="en-US" sz="1500" kern="1200" dirty="0">
+            <a:rPr lang="en-US" sz="1500" kern="1200">
               <a:latin typeface="Grandview"/>
             </a:rPr>
             <a:t>0.168</a:t>
           </a:r>
           <a:r>
-            <a:rPr lang="en-US" sz="1500" kern="1200" dirty="0"/>
+            <a:rPr lang="en-US" sz="1500" kern="1200"/>
             <a:t>, which is significantly lower.</a:t>
           </a:r>
         </a:p>
@@ -2007,7 +2010,7 @@
             <a:buNone/>
           </a:pPr>
           <a:r>
-            <a:rPr lang="en-US" sz="1500" kern="1200" dirty="0"/>
+            <a:rPr lang="en-US" sz="1500" kern="1200"/>
             <a:t>These results strongly suggest that the proposed model effectively captures the semantic similarity between sentences and outperforms other approaches in this task.</a:t>
           </a:r>
         </a:p>
@@ -5013,7 +5016,7 @@
           <a:p>
             <a:fld id="{8F72BA41-EC5B-4197-BCC8-0FD2E523CD7A}" type="datetimeFigureOut">
               <a:rPr lang="en-US" smtClean="0"/>
-              <a:t>5/4/2023</a:t>
+              <a:t>5/5/2023</a:t>
             </a:fld>
             <a:endParaRPr lang="en-US"/>
           </a:p>
@@ -5216,7 +5219,7 @@
           <a:p>
             <a:fld id="{8F72BA41-EC5B-4197-BCC8-0FD2E523CD7A}" type="datetimeFigureOut">
               <a:rPr lang="en-US" smtClean="0"/>
-              <a:t>5/4/2023</a:t>
+              <a:t>5/5/2023</a:t>
             </a:fld>
             <a:endParaRPr lang="en-US"/>
           </a:p>
@@ -6935,7 +6938,7 @@
           <a:p>
             <a:fld id="{8F72BA41-EC5B-4197-BCC8-0FD2E523CD7A}" type="datetimeFigureOut">
               <a:rPr lang="en-US" smtClean="0"/>
-              <a:t>5/4/2023</a:t>
+              <a:t>5/5/2023</a:t>
             </a:fld>
             <a:endParaRPr lang="en-US"/>
           </a:p>
@@ -7133,7 +7136,7 @@
           <a:p>
             <a:fld id="{8F72BA41-EC5B-4197-BCC8-0FD2E523CD7A}" type="datetimeFigureOut">
               <a:rPr lang="en-US" smtClean="0"/>
-              <a:t>5/4/2023</a:t>
+              <a:t>5/5/2023</a:t>
             </a:fld>
             <a:endParaRPr lang="en-US"/>
           </a:p>
@@ -8922,7 +8925,7 @@
           <a:p>
             <a:fld id="{8F72BA41-EC5B-4197-BCC8-0FD2E523CD7A}" type="datetimeFigureOut">
               <a:rPr lang="en-US" smtClean="0"/>
-              <a:t>5/4/2023</a:t>
+              <a:t>5/5/2023</a:t>
             </a:fld>
             <a:endParaRPr lang="en-US"/>
           </a:p>
@@ -9192,7 +9195,7 @@
           <a:p>
             <a:fld id="{8F72BA41-EC5B-4197-BCC8-0FD2E523CD7A}" type="datetimeFigureOut">
               <a:rPr lang="en-US" smtClean="0"/>
-              <a:t>5/4/2023</a:t>
+              <a:t>5/5/2023</a:t>
             </a:fld>
             <a:endParaRPr lang="en-US"/>
           </a:p>
@@ -9609,7 +9612,7 @@
           <a:p>
             <a:fld id="{8F72BA41-EC5B-4197-BCC8-0FD2E523CD7A}" type="datetimeFigureOut">
               <a:rPr lang="en-US" smtClean="0"/>
-              <a:t>5/4/2023</a:t>
+              <a:t>5/5/2023</a:t>
             </a:fld>
             <a:endParaRPr lang="en-US"/>
           </a:p>
@@ -9764,7 +9767,7 @@
           <a:p>
             <a:fld id="{8F72BA41-EC5B-4197-BCC8-0FD2E523CD7A}" type="datetimeFigureOut">
               <a:rPr lang="en-US" smtClean="0"/>
-              <a:t>5/4/2023</a:t>
+              <a:t>5/5/2023</a:t>
             </a:fld>
             <a:endParaRPr lang="en-US"/>
           </a:p>
@@ -11332,7 +11335,7 @@
           <a:p>
             <a:fld id="{8F72BA41-EC5B-4197-BCC8-0FD2E523CD7A}" type="datetimeFigureOut">
               <a:rPr lang="en-US" smtClean="0"/>
-              <a:t>5/4/2023</a:t>
+              <a:t>5/5/2023</a:t>
             </a:fld>
             <a:endParaRPr lang="en-US"/>
           </a:p>
@@ -13181,7 +13184,7 @@
           <a:p>
             <a:fld id="{8F72BA41-EC5B-4197-BCC8-0FD2E523CD7A}" type="datetimeFigureOut">
               <a:rPr lang="en-US" smtClean="0"/>
-              <a:t>5/4/2023</a:t>
+              <a:t>5/5/2023</a:t>
             </a:fld>
             <a:endParaRPr lang="en-US"/>
           </a:p>
@@ -14992,7 +14995,7 @@
           <a:p>
             <a:fld id="{8F72BA41-EC5B-4197-BCC8-0FD2E523CD7A}" type="datetimeFigureOut">
               <a:rPr lang="en-US" smtClean="0"/>
-              <a:t>5/4/2023</a:t>
+              <a:t>5/5/2023</a:t>
             </a:fld>
             <a:endParaRPr lang="en-US"/>
           </a:p>
@@ -16684,7 +16687,7 @@
             <a:fld id="{8F72BA41-EC5B-4197-BCC8-0FD2E523CD7A}" type="datetimeFigureOut">
               <a:rPr lang="en-US" smtClean="0"/>
               <a:pPr/>
-              <a:t>5/4/2023</a:t>
+              <a:t>5/5/2023</a:t>
             </a:fld>
             <a:endParaRPr lang="en-US"/>
           </a:p>
@@ -20940,10 +20943,10 @@
               </a:lnSpc>
             </a:pPr>
             <a:r>
-              <a:rPr lang="en-US" sz="2000" dirty="0"/>
+              <a:rPr lang="en-US" sz="2000"/>
               <a:t>Team KLM</a:t>
             </a:r>
-            <a:endParaRPr lang="en-US" dirty="0"/>
+            <a:endParaRPr lang="en-US"/>
           </a:p>
           <a:p>
             <a:pPr algn="ctr">
@@ -20952,11 +20955,11 @@
               </a:lnSpc>
             </a:pPr>
             <a:r>
-              <a:rPr lang="en-US" sz="2000" dirty="0" err="1"/>
+              <a:rPr lang="en-US" sz="2000" err="1"/>
               <a:t>Beeraka</a:t>
             </a:r>
             <a:r>
-              <a:rPr lang="en-US" sz="2000" dirty="0"/>
+              <a:rPr lang="en-US" sz="2000"/>
               <a:t> Krupa Kiranmai (2021201022)</a:t>
             </a:r>
           </a:p>
@@ -20967,11 +20970,11 @@
               </a:lnSpc>
             </a:pPr>
             <a:r>
-              <a:rPr lang="en-US" sz="2000" dirty="0" err="1"/>
+              <a:rPr lang="en-US" sz="2000" err="1"/>
               <a:t>Padigala</a:t>
             </a:r>
             <a:r>
-              <a:rPr lang="en-US" sz="2000" dirty="0"/>
+              <a:rPr lang="en-US" sz="2000"/>
               <a:t> Lakshman Sai (2021201069)</a:t>
             </a:r>
           </a:p>
@@ -20982,15 +20985,15 @@
               </a:lnSpc>
             </a:pPr>
             <a:r>
-              <a:rPr lang="en-US" sz="2000" dirty="0" err="1"/>
+              <a:rPr lang="en-US" sz="2000" err="1"/>
               <a:t>Nalluru</a:t>
             </a:r>
             <a:r>
-              <a:rPr lang="en-US" sz="2000" dirty="0"/>
+              <a:rPr lang="en-US" sz="2000"/>
               <a:t> Maneesh Gupta (2021201041)</a:t>
             </a:r>
             <a:br>
-              <a:rPr lang="en-US" sz="2000" dirty="0"/>
+              <a:rPr lang="en-US" sz="2000"/>
             </a:br>
             <a:endParaRPr lang="en-US" sz="2000"/>
           </a:p>
@@ -23071,7 +23074,7 @@
                 <a:ea typeface="+mn-lt"/>
                 <a:cs typeface="+mn-lt"/>
               </a:rPr>
-              <a:t>The following hyperparameters were considered for tuning: </a:t>
+              <a:t>The following hyperparameters were considered for tuning: </a:t>
             </a:r>
             <a:endParaRPr lang="en-US"/>
           </a:p>
@@ -23174,7 +23177,7 @@
                 <a:ea typeface="+mn-lt"/>
                 <a:cs typeface="+mn-lt"/>
               </a:rPr>
-              <a:t>Optimal hyperparameters were selected based on the lowest validation loss.</a:t>
+              <a:t>Optimal hyperparameters were selected based on the best validation PCC.</a:t>
             </a:r>
           </a:p>
           <a:p>
@@ -23191,15 +23194,52 @@
           </a:p>
         </p:txBody>
       </p:sp>
+      <p:sp>
+        <p:nvSpPr>
+          <p:cNvPr id="4" name="TextBox 3">
+            <a:extLst>
+              <a:ext uri="{FF2B5EF4-FFF2-40B4-BE49-F238E27FC236}">
+                <a16:creationId xmlns:a16="http://schemas.microsoft.com/office/drawing/2014/main" id="{7421DCD4-99E7-6431-F52D-6A62A93EDA4E}"/>
+              </a:ext>
+            </a:extLst>
+          </p:cNvPr>
+          <p:cNvSpPr txBox="1"/>
+          <p:nvPr/>
+        </p:nvSpPr>
+        <p:spPr>
+          <a:xfrm>
+            <a:off x="7751886" y="1515205"/>
+            <a:ext cx="3804137" cy="261610"/>
+          </a:xfrm>
+          <a:prstGeom prst="rect">
+            <a:avLst/>
+          </a:prstGeom>
+          <a:noFill/>
+        </p:spPr>
+        <p:txBody>
+          <a:bodyPr rot="0" spcFirstLastPara="0" vertOverflow="overflow" horzOverflow="overflow" vert="horz" wrap="square" lIns="91440" tIns="45720" rIns="91440" bIns="45720" numCol="1" spcCol="0" rtlCol="0" fromWordArt="0" anchor="t" anchorCtr="0" forceAA="0" compatLnSpc="1">
+            <a:prstTxWarp prst="textNoShape">
+              <a:avLst/>
+            </a:prstTxWarp>
+            <a:spAutoFit/>
+          </a:bodyPr>
+          <a:lstStyle/>
+          <a:p>
+            <a:pPr algn="ctr"/>
+            <a:r>
+              <a:rPr lang="en-US" sz="1100" b="1"/>
+              <a:t>Validation PCC and Training loss over epochs</a:t>
+            </a:r>
+            <a:endParaRPr lang="en-US" b="1"/>
+          </a:p>
+        </p:txBody>
+      </p:sp>
       <p:pic>
         <p:nvPicPr>
-          <p:cNvPr id="5" name="Picture 5" descr="Chart&#10;">
+          <p:cNvPr id="13" name="Picture 4" descr="Chart&#10;&#10;Description automatically generated">
             <a:extLst>
               <a:ext uri="{FF2B5EF4-FFF2-40B4-BE49-F238E27FC236}">
-                <a16:creationId xmlns:a16="http://schemas.microsoft.com/office/drawing/2014/main" id="{FBFC6F49-2BA1-CD81-6D3E-A57C0A16DB7E}"/>
-              </a:ext>
-              <a:ext uri="{C183D7F6-B498-43B3-948B-1728B52AA6E4}">
-                <adec:decorative xmlns:adec="http://schemas.microsoft.com/office/drawing/2017/decorative" val="0"/>
+                <a16:creationId xmlns:a16="http://schemas.microsoft.com/office/drawing/2014/main" id="{8752530F-4DF1-64FE-98D0-B149D6092FA1}"/>
               </a:ext>
             </a:extLst>
           </p:cNvPr>
@@ -23216,8 +23256,8 @@
         </p:blipFill>
         <p:spPr>
           <a:xfrm>
-            <a:off x="7077919" y="1545962"/>
-            <a:ext cx="4546921" cy="3534583"/>
+            <a:off x="7211258" y="1787624"/>
+            <a:ext cx="4552950" cy="3286125"/>
           </a:xfrm>
           <a:prstGeom prst="rect">
             <a:avLst/>
@@ -25182,14 +25222,14 @@
           <p:nvPr>
             <p:extLst>
               <p:ext uri="{D42A27DB-BD31-4B8C-83A1-F6EECF244321}">
-                <p14:modId xmlns:p14="http://schemas.microsoft.com/office/powerpoint/2010/main" val="3754062813"/>
+                <p14:modId xmlns:p14="http://schemas.microsoft.com/office/powerpoint/2010/main" val="2405325320"/>
               </p:ext>
             </p:extLst>
           </p:nvPr>
         </p:nvGraphicFramePr>
         <p:xfrm>
-          <a:off x="460963" y="1665110"/>
-          <a:ext cx="10878088" cy="2418080"/>
+          <a:off x="707148" y="1665110"/>
+          <a:ext cx="10878088" cy="2692400"/>
         </p:xfrm>
         <a:graphic>
           <a:graphicData uri="http://schemas.openxmlformats.org/drawingml/2006/table">
@@ -25262,7 +25302,7 @@
                     <a:p>
                       <a:pPr algn="ctr"/>
                       <a:r>
-                        <a:rPr lang="en-US" dirty="0"/>
+                        <a:rPr lang="en-US"/>
                         <a:t>S. No.</a:t>
                       </a:r>
                     </a:p>
@@ -25276,7 +25316,7 @@
                     <a:p>
                       <a:pPr algn="ctr"/>
                       <a:r>
-                        <a:rPr lang="en-US" dirty="0"/>
+                        <a:rPr lang="en-US"/>
                         <a:t>Sentence 1</a:t>
                       </a:r>
                     </a:p>
@@ -25290,7 +25330,7 @@
                     <a:p>
                       <a:pPr algn="ctr"/>
                       <a:r>
-                        <a:rPr lang="en-US" dirty="0"/>
+                        <a:rPr lang="en-US"/>
                         <a:t>Sentence 2</a:t>
                       </a:r>
                     </a:p>
@@ -25304,7 +25344,7 @@
                     <a:p>
                       <a:pPr algn="ctr"/>
                       <a:r>
-                        <a:rPr lang="en-US" dirty="0"/>
+                        <a:rPr lang="en-US"/>
                         <a:t>Gold Standard</a:t>
                       </a:r>
                     </a:p>
@@ -25320,9 +25360,17 @@
                         <a:buNone/>
                       </a:pPr>
                       <a:r>
-                        <a:rPr lang="en-US" dirty="0"/>
-                        <a:t>STS Predicted</a:t>
+                        <a:rPr lang="en-US" sz="1800" b="1" i="0" u="none" strike="noStrike" noProof="0">
+                          <a:solidFill>
+                            <a:srgbClr val="FFFFFF"/>
+                          </a:solidFill>
+                          <a:latin typeface="Grandview"/>
+                        </a:rPr>
+                        <a:t>Our Model Score </a:t>
                       </a:r>
+                      <a:endParaRPr lang="en-US">
+                        <a:latin typeface="Grandview"/>
+                      </a:endParaRPr>
                     </a:p>
                   </a:txBody>
                   <a:tcPr anchor="ctr"/>
@@ -25343,7 +25391,7 @@
                         <a:buNone/>
                       </a:pPr>
                       <a:r>
-                        <a:rPr lang="en-US" sz="1400" b="0" i="0" u="none" strike="noStrike" kern="1200" dirty="0">
+                        <a:rPr lang="en-US" sz="1400" b="0" i="0" u="none" strike="noStrike" kern="1200">
                           <a:solidFill>
                             <a:srgbClr val="2A2735"/>
                           </a:solidFill>
@@ -25364,7 +25412,7 @@
                     <a:p>
                       <a:pPr algn="ctr"/>
                       <a:r>
-                        <a:rPr lang="en-US" sz="1400" b="0" i="0" u="none" strike="noStrike" kern="1200" dirty="0">
+                        <a:rPr lang="en-US" sz="1400" b="0" i="0" u="none" strike="noStrike" kern="1200">
                           <a:solidFill>
                             <a:srgbClr val="2A2735"/>
                           </a:solidFill>
@@ -25396,7 +25444,7 @@
                         <a:buNone/>
                       </a:pPr>
                       <a:r>
-                        <a:rPr lang="en-US" sz="1400" b="0" i="0" u="none" strike="noStrike" kern="1200" noProof="0" dirty="0"/>
+                        <a:rPr lang="en-US" sz="1400" b="0" i="0" u="none" strike="noStrike" kern="1200" noProof="0"/>
                         <a:t>There are dogs in the forest.</a:t>
                       </a:r>
                     </a:p>
@@ -25412,10 +25460,10 @@
                         <a:buNone/>
                       </a:pPr>
                       <a:r>
-                        <a:rPr lang="en-US" sz="1400" b="0" i="0" u="none" strike="noStrike" kern="1200" noProof="0" dirty="0"/>
+                        <a:rPr lang="en-US" sz="1400" b="0" i="0" u="none" strike="noStrike" kern="1200" noProof="0"/>
                         <a:t>The dogs are alone in the forest.</a:t>
                       </a:r>
-                      <a:endParaRPr lang="en-US" dirty="0"/>
+                      <a:endParaRPr lang="en-US"/>
                     </a:p>
                   </a:txBody>
                   <a:tcPr anchor="ctr"/>
@@ -25427,7 +25475,7 @@
                     <a:p>
                       <a:pPr algn="ctr"/>
                       <a:r>
-                        <a:rPr lang="en-US" sz="1400" b="0" i="0" u="none" strike="noStrike" kern="1200" dirty="0">
+                        <a:rPr lang="en-US" sz="1400" b="0" i="0" u="none" strike="noStrike" kern="1200">
                           <a:solidFill>
                             <a:srgbClr val="2A2735"/>
                           </a:solidFill>
@@ -25450,7 +25498,7 @@
                         <a:buNone/>
                       </a:pPr>
                       <a:r>
-                        <a:rPr lang="en-US" sz="1400" b="0" i="0" u="none" strike="noStrike" kern="1200" dirty="0">
+                        <a:rPr lang="en-US" sz="1400" b="0" i="0" u="none" strike="noStrike" kern="1200">
                           <a:solidFill>
                             <a:srgbClr val="2A2735"/>
                           </a:solidFill>
@@ -25488,7 +25536,7 @@
                     <a:p>
                       <a:pPr algn="ctr"/>
                       <a:r>
-                        <a:rPr lang="en-US" sz="1400" b="0" i="0" u="none" strike="noStrike" kern="1200" dirty="0">
+                        <a:rPr lang="en-US" sz="1400" b="0" i="0" u="none" strike="noStrike" kern="1200">
                           <a:solidFill>
                             <a:srgbClr val="2A2735"/>
                           </a:solidFill>
@@ -25520,10 +25568,10 @@
                         <a:buNone/>
                       </a:pPr>
                       <a:r>
-                        <a:rPr lang="en-US" sz="1400" b="0" i="0" u="none" strike="noStrike" kern="1200" noProof="0" dirty="0"/>
+                        <a:rPr lang="en-US" sz="1400" b="0" i="0" u="none" strike="noStrike" kern="1200" noProof="0"/>
                         <a:t>A person is on a baseball team</a:t>
                       </a:r>
-                      <a:endParaRPr lang="en-US" dirty="0"/>
+                      <a:endParaRPr lang="en-US"/>
                     </a:p>
                   </a:txBody>
                   <a:tcPr anchor="ctr"/>
@@ -25546,7 +25594,7 @@
                         <a:buNone/>
                       </a:pPr>
                       <a:r>
-                        <a:rPr lang="en-US" sz="1400" b="0" i="0" u="none" strike="noStrike" kern="1200" noProof="0" dirty="0"/>
+                        <a:rPr lang="en-US" sz="1400" b="0" i="0" u="none" strike="noStrike" kern="1200" noProof="0"/>
                         <a:t>A person is playing basketball on a team.</a:t>
                       </a:r>
                     </a:p>
@@ -25571,7 +25619,7 @@
                         <a:buNone/>
                       </a:pPr>
                       <a:r>
-                        <a:rPr lang="en-US" sz="1400" b="0" i="0" u="none" strike="noStrike" kern="1200" noProof="0" dirty="0">
+                        <a:rPr lang="en-US" sz="1400" b="0" i="0" u="none" strike="noStrike" kern="1200" noProof="0">
                           <a:solidFill>
                             <a:srgbClr val="2A2735"/>
                           </a:solidFill>
@@ -25603,7 +25651,7 @@
                         <a:buNone/>
                       </a:pPr>
                       <a:r>
-                        <a:rPr lang="en-US" sz="1400" b="0" i="0" u="none" strike="noStrike" kern="1200" noProof="0" dirty="0">
+                        <a:rPr lang="en-US" sz="1400" b="0" i="0" u="none" strike="noStrike" kern="1200" noProof="0">
                           <a:solidFill>
                             <a:srgbClr val="2A2735"/>
                           </a:solidFill>
@@ -25633,7 +25681,7 @@
                         <a:buNone/>
                       </a:pPr>
                       <a:r>
-                        <a:rPr lang="en-US" sz="1400" b="0" i="0" u="none" strike="noStrike" kern="1200" dirty="0">
+                        <a:rPr lang="en-US" sz="1400" b="0" i="0" u="none" strike="noStrike" kern="1200">
                           <a:solidFill>
                             <a:srgbClr val="2A2735"/>
                           </a:solidFill>
@@ -25656,7 +25704,7 @@
                         <a:buNone/>
                       </a:pPr>
                       <a:r>
-                        <a:rPr lang="en-US" sz="1400" b="0" i="0" u="none" strike="noStrike" kern="1200" dirty="0">
+                        <a:rPr lang="en-US" sz="1400" b="0" i="0" u="none" strike="noStrike" kern="1200">
                           <a:solidFill>
                             <a:srgbClr val="2A2735"/>
                           </a:solidFill>
@@ -25679,23 +25727,23 @@
                         <a:buNone/>
                       </a:pPr>
                       <a:r>
-                        <a:rPr lang="en-US" sz="1400" b="0" i="0" u="none" strike="noStrike" kern="1200" noProof="0" dirty="0"/>
+                        <a:rPr lang="en-US" sz="1400" b="0" i="0" u="none" strike="noStrike" kern="1200" noProof="0"/>
                         <a:t>Personas </a:t>
                       </a:r>
                       <a:r>
-                        <a:rPr lang="en-US" sz="1400" b="0" i="0" u="none" strike="noStrike" kern="1200" noProof="0" dirty="0" err="1"/>
+                        <a:rPr lang="en-US" sz="1400" b="0" i="0" u="none" strike="noStrike" kern="1200" noProof="0" err="1"/>
                         <a:t>teniendo</a:t>
                       </a:r>
                       <a:r>
-                        <a:rPr lang="en-US" sz="1400" b="0" i="0" u="none" strike="noStrike" kern="1200" noProof="0" dirty="0"/>
+                        <a:rPr lang="en-US" sz="1400" b="0" i="0" u="none" strike="noStrike" kern="1200" noProof="0"/>
                         <a:t> </a:t>
                       </a:r>
                       <a:r>
-                        <a:rPr lang="en-US" sz="1400" b="0" i="0" u="none" strike="noStrike" kern="1200" noProof="0" dirty="0" err="1"/>
+                        <a:rPr lang="en-US" sz="1400" b="0" i="0" u="none" strike="noStrike" kern="1200" noProof="0" err="1"/>
                         <a:t>una</a:t>
                       </a:r>
                       <a:r>
-                        <a:rPr lang="en-US" sz="1400" b="0" i="0" u="none" strike="noStrike" kern="1200" noProof="0" dirty="0"/>
+                        <a:rPr lang="en-US" sz="1400" b="0" i="0" u="none" strike="noStrike" kern="1200" noProof="0"/>
                         <a:t> barbacoa   </a:t>
                       </a:r>
                     </a:p>
@@ -25711,39 +25759,39 @@
                         <a:buNone/>
                       </a:pPr>
                       <a:r>
-                        <a:rPr lang="en-US" sz="1400" b="0" i="0" u="none" strike="noStrike" kern="1200" noProof="0" dirty="0"/>
+                        <a:rPr lang="en-US" sz="1400" b="0" i="0" u="none" strike="noStrike" kern="1200" noProof="0"/>
                         <a:t>La </a:t>
                       </a:r>
                       <a:r>
-                        <a:rPr lang="en-US" sz="1400" b="0" i="0" u="none" strike="noStrike" kern="1200" noProof="0" dirty="0" err="1"/>
+                        <a:rPr lang="en-US" sz="1400" b="0" i="0" u="none" strike="noStrike" kern="1200" noProof="0" err="1"/>
                         <a:t>gente</a:t>
                       </a:r>
                       <a:r>
-                        <a:rPr lang="en-US" sz="1400" b="0" i="0" u="none" strike="noStrike" kern="1200" noProof="0" dirty="0"/>
+                        <a:rPr lang="en-US" sz="1400" b="0" i="0" u="none" strike="noStrike" kern="1200" noProof="0"/>
                         <a:t> </a:t>
                       </a:r>
                       <a:r>
-                        <a:rPr lang="en-US" sz="1400" b="0" i="0" u="none" strike="noStrike" kern="1200" noProof="0" dirty="0" err="1"/>
+                        <a:rPr lang="en-US" sz="1400" b="0" i="0" u="none" strike="noStrike" kern="1200" noProof="0" err="1"/>
                         <a:t>está</a:t>
                       </a:r>
                       <a:r>
-                        <a:rPr lang="en-US" sz="1400" b="0" i="0" u="none" strike="noStrike" kern="1200" noProof="0" dirty="0"/>
+                        <a:rPr lang="en-US" sz="1400" b="0" i="0" u="none" strike="noStrike" kern="1200" noProof="0"/>
                         <a:t> </a:t>
                       </a:r>
                       <a:r>
-                        <a:rPr lang="en-US" sz="1400" b="0" i="0" u="none" strike="noStrike" kern="1200" noProof="0" dirty="0" err="1"/>
+                        <a:rPr lang="en-US" sz="1400" b="0" i="0" u="none" strike="noStrike" kern="1200" noProof="0" err="1"/>
                         <a:t>en</a:t>
                       </a:r>
                       <a:r>
-                        <a:rPr lang="en-US" sz="1400" b="0" i="0" u="none" strike="noStrike" kern="1200" noProof="0" dirty="0"/>
+                        <a:rPr lang="en-US" sz="1400" b="0" i="0" u="none" strike="noStrike" kern="1200" noProof="0"/>
                         <a:t> casa </a:t>
                       </a:r>
                       <a:r>
-                        <a:rPr lang="en-US" sz="1400" b="0" i="0" u="none" strike="noStrike" kern="1200" noProof="0" dirty="0" err="1"/>
+                        <a:rPr lang="en-US" sz="1400" b="0" i="0" u="none" strike="noStrike" kern="1200" noProof="0" err="1"/>
                         <a:t>cenando</a:t>
                       </a:r>
                       <a:r>
-                        <a:rPr lang="en-US" sz="1400" b="0" i="0" u="none" strike="noStrike" kern="1200" noProof="0" dirty="0"/>
+                        <a:rPr lang="en-US" sz="1400" b="0" i="0" u="none" strike="noStrike" kern="1200" noProof="0"/>
                         <a:t>. </a:t>
                       </a:r>
                       <a:endParaRPr lang="en-US"/>
@@ -25760,7 +25808,7 @@
                         <a:buNone/>
                       </a:pPr>
                       <a:r>
-                        <a:rPr lang="en-US" sz="1400" b="0" i="0" u="none" strike="noStrike" kern="1200" noProof="0" dirty="0">
+                        <a:rPr lang="en-US" sz="1400" b="0" i="0" u="none" strike="noStrike" kern="1200" noProof="0">
                           <a:solidFill>
                             <a:srgbClr val="2A2735"/>
                           </a:solidFill>
@@ -25783,7 +25831,7 @@
                         <a:buNone/>
                       </a:pPr>
                       <a:r>
-                        <a:rPr lang="en-US" sz="1400" b="0" i="0" u="none" strike="noStrike" kern="1200" noProof="0" dirty="0">
+                        <a:rPr lang="en-US" sz="1400" b="0" i="0" u="none" strike="noStrike" kern="1200" noProof="0">
                           <a:solidFill>
                             <a:srgbClr val="2A2735"/>
                           </a:solidFill>
@@ -25823,7 +25871,7 @@
                         <a:buNone/>
                       </a:pPr>
                       <a:r>
-                        <a:rPr lang="en-US" sz="1400" b="0" i="0" u="none" strike="noStrike" kern="1200" dirty="0">
+                        <a:rPr lang="en-US" sz="1400" b="0" i="0" u="none" strike="noStrike" kern="1200">
                           <a:solidFill>
                             <a:srgbClr val="2A2735"/>
                           </a:solidFill>
@@ -25846,26 +25894,25 @@
                         <a:buNone/>
                       </a:pPr>
                       <a:r>
-                        <a:rPr lang="en-US" sz="1400" b="0" i="0" u="none" strike="noStrike" kern="1200" noProof="0" dirty="0"/>
+                        <a:rPr lang="en-US" sz="1400" b="0" i="0" u="none" strike="noStrike" kern="1200" noProof="0"/>
                         <a:t>Un hombre </a:t>
                       </a:r>
                       <a:r>
-                        <a:rPr lang="en-US" sz="1400" b="0" i="0" u="none" strike="noStrike" kern="1200" noProof="0" dirty="0" err="1"/>
+                        <a:rPr lang="en-US" sz="1400" b="0" i="0" u="none" strike="noStrike" kern="1200" noProof="0" err="1"/>
                         <a:t>camina</a:t>
                       </a:r>
                       <a:r>
-                        <a:rPr lang="en-US" sz="1400" b="0" i="0" u="none" strike="noStrike" kern="1200" noProof="0" dirty="0"/>
+                        <a:rPr lang="en-US" sz="1400" b="0" i="0" u="none" strike="noStrike" kern="1200" noProof="0"/>
                         <a:t> </a:t>
                       </a:r>
                       <a:r>
-                        <a:rPr lang="en-US" sz="1400" b="0" i="0" u="none" strike="noStrike" kern="1200" noProof="0" dirty="0" err="1"/>
+                        <a:rPr lang="en-US" sz="1400" b="0" i="0" u="none" strike="noStrike" kern="1200" noProof="0" err="1"/>
                         <a:t>en</a:t>
                       </a:r>
                       <a:r>
-                        <a:rPr lang="en-US" sz="1400" b="0" i="0" u="none" strike="noStrike" kern="1200" noProof="0" dirty="0"/>
+                        <a:rPr lang="en-US" sz="1400" b="0" i="0" u="none" strike="noStrike" kern="1200" noProof="0"/>
                         <a:t> la ciudad.    </a:t>
                       </a:r>
-                      <a:endParaRPr lang="en-US" sz="1400" b="0" i="0" u="none" strike="noStrike" kern="1200" noProof="0"/>
                     </a:p>
                   </a:txBody>
                   <a:tcPr anchor="ctr"/>
@@ -25888,7 +25935,7 @@
                         <a:buNone/>
                       </a:pPr>
                       <a:r>
-                        <a:rPr lang="en-US" sz="1400" b="0" i="0" u="none" strike="noStrike" kern="1200" noProof="0" dirty="0">
+                        <a:rPr lang="en-US" sz="1400" b="0" i="0" u="none" strike="noStrike" kern="1200" noProof="0">
                           <a:solidFill>
                             <a:srgbClr val="000000"/>
                           </a:solidFill>
@@ -25896,7 +25943,7 @@
                         <a:t>Una </a:t>
                       </a:r>
                       <a:r>
-                        <a:rPr lang="en-US" sz="1400" b="0" i="0" u="none" strike="noStrike" kern="1200" noProof="0" dirty="0" err="1">
+                        <a:rPr lang="en-US" sz="1400" b="0" i="0" u="none" strike="noStrike" kern="1200" noProof="0" err="1">
                           <a:solidFill>
                             <a:srgbClr val="000000"/>
                           </a:solidFill>
@@ -25904,7 +25951,7 @@
                         <a:t>mujer</a:t>
                       </a:r>
                       <a:r>
-                        <a:rPr lang="en-US" sz="1400" b="0" i="0" u="none" strike="noStrike" kern="1200" noProof="0" dirty="0">
+                        <a:rPr lang="en-US" sz="1400" b="0" i="0" u="none" strike="noStrike" kern="1200" noProof="0">
                           <a:solidFill>
                             <a:srgbClr val="000000"/>
                           </a:solidFill>
@@ -25912,7 +25959,7 @@
                         <a:t> </a:t>
                       </a:r>
                       <a:r>
-                        <a:rPr lang="en-US" sz="1400" b="0" i="0" u="none" strike="noStrike" kern="1200" noProof="0" dirty="0" err="1">
+                        <a:rPr lang="en-US" sz="1400" b="0" i="0" u="none" strike="noStrike" kern="1200" noProof="0" err="1">
                           <a:solidFill>
                             <a:srgbClr val="000000"/>
                           </a:solidFill>
@@ -25920,7 +25967,7 @@
                         <a:t>camina</a:t>
                       </a:r>
                       <a:r>
-                        <a:rPr lang="en-US" sz="1400" b="0" i="0" u="none" strike="noStrike" kern="1200" noProof="0" dirty="0">
+                        <a:rPr lang="en-US" sz="1400" b="0" i="0" u="none" strike="noStrike" kern="1200" noProof="0">
                           <a:solidFill>
                             <a:srgbClr val="000000"/>
                           </a:solidFill>
@@ -25928,7 +25975,7 @@
                         <a:t> </a:t>
                       </a:r>
                       <a:r>
-                        <a:rPr lang="en-US" sz="1400" b="0" i="0" u="none" strike="noStrike" kern="1200" noProof="0" dirty="0" err="1">
+                        <a:rPr lang="en-US" sz="1400" b="0" i="0" u="none" strike="noStrike" kern="1200" noProof="0" err="1">
                           <a:solidFill>
                             <a:srgbClr val="000000"/>
                           </a:solidFill>
@@ -25936,7 +25983,7 @@
                         <a:t>en</a:t>
                       </a:r>
                       <a:r>
-                        <a:rPr lang="en-US" sz="1400" b="0" i="0" u="none" strike="noStrike" kern="1200" noProof="0" dirty="0">
+                        <a:rPr lang="en-US" sz="1400" b="0" i="0" u="none" strike="noStrike" kern="1200" noProof="0">
                           <a:solidFill>
                             <a:srgbClr val="000000"/>
                           </a:solidFill>
@@ -25948,7 +25995,7 @@
                       <a:pPr lvl="0" algn="ctr">
                         <a:buNone/>
                       </a:pPr>
-                      <a:endParaRPr lang="en-US" sz="1400" b="0" i="0" u="none" strike="noStrike" kern="1200" noProof="0" dirty="0">
+                      <a:endParaRPr lang="en-US" sz="1400" b="0" i="0" u="none" strike="noStrike" kern="1200" noProof="0">
                         <a:solidFill>
                           <a:srgbClr val="2A2735"/>
                         </a:solidFill>
@@ -25978,7 +26025,7 @@
                         <a:buNone/>
                       </a:pPr>
                       <a:r>
-                        <a:rPr lang="en-US" sz="1400" b="0" i="0" u="none" strike="noStrike" kern="1200" noProof="0" dirty="0">
+                        <a:rPr lang="en-US" sz="1400" b="0" i="0" u="none" strike="noStrike" kern="1200" noProof="0">
                           <a:solidFill>
                             <a:srgbClr val="2A2735"/>
                           </a:solidFill>
@@ -26001,7 +26048,7 @@
                         <a:buNone/>
                       </a:pPr>
                       <a:r>
-                        <a:rPr lang="en-US" sz="1400" b="0" i="0" u="none" strike="noStrike" kern="1200" dirty="0">
+                        <a:rPr lang="en-US" sz="1400" b="0" i="0" u="none" strike="noStrike" kern="1200">
                           <a:solidFill>
                             <a:srgbClr val="2A2735"/>
                           </a:solidFill>
@@ -28570,41 +28617,41 @@
               </a:buClr>
             </a:pPr>
             <a:r>
-              <a:rPr lang="en-US" dirty="0">
+              <a:rPr lang="en-US">
                 <a:ea typeface="+mn-lt"/>
                 <a:cs typeface="+mn-lt"/>
               </a:rPr>
               <a:t>This project aims to develop methods for assessing the degree of similarity between pairs of sentences using Semantic Textual Similarity (STS) measures. focusing on two specific sub-tasks: </a:t>
             </a:r>
             <a:r>
-              <a:rPr lang="en-US" b="1" dirty="0">
+              <a:rPr lang="en-US" b="1">
                 <a:ea typeface="+mn-lt"/>
                 <a:cs typeface="+mn-lt"/>
               </a:rPr>
               <a:t>monolingual assessment in English-English and Spanish-Spanish</a:t>
             </a:r>
             <a:r>
-              <a:rPr lang="en-US" dirty="0">
+              <a:rPr lang="en-US">
                 <a:ea typeface="+mn-lt"/>
                 <a:cs typeface="+mn-lt"/>
               </a:rPr>
               <a:t>, using a </a:t>
             </a:r>
             <a:r>
-              <a:rPr lang="en-US" b="1" dirty="0">
+              <a:rPr lang="en-US" b="1">
                 <a:ea typeface="+mn-lt"/>
                 <a:cs typeface="+mn-lt"/>
               </a:rPr>
               <a:t>Gold Standard</a:t>
             </a:r>
             <a:r>
-              <a:rPr lang="en-US" dirty="0">
+              <a:rPr lang="en-US">
                 <a:ea typeface="+mn-lt"/>
                 <a:cs typeface="+mn-lt"/>
               </a:rPr>
               <a:t> scale ranging from 0 to 5.</a:t>
             </a:r>
-            <a:endParaRPr lang="en-US" dirty="0"/>
+            <a:endParaRPr lang="en-US"/>
           </a:p>
         </p:txBody>
       </p:sp>
@@ -34577,20 +34624,20 @@
           <a:p>
             <a:pPr algn="just"/>
             <a:r>
-              <a:rPr lang="en-US" sz="1750" b="1">
+              <a:rPr lang="en-US" sz="1750" b="1" dirty="0">
                 <a:solidFill>
                   <a:schemeClr val="tx2"/>
                 </a:solidFill>
                 <a:ea typeface="+mn-lt"/>
                 <a:cs typeface="+mn-lt"/>
               </a:rPr>
-              <a:t>PCC - Pearson Correlation Coefficient:</a:t>
+              <a:t>Evaluation Metric (PCC - Pearson Correlation Coefficient):</a:t>
             </a:r>
           </a:p>
           <a:p>
             <a:pPr algn="just"/>
             <a:r>
-              <a:rPr lang="en-US" sz="1780">
+              <a:rPr lang="en-US" sz="1750" dirty="0">
                 <a:solidFill>
                   <a:schemeClr val="tx2"/>
                 </a:solidFill>
